--- a/presentations/01_Introduction.pptx
+++ b/presentations/01_Introduction.pptx
@@ -284,7 +284,7 @@
           <a:p>
             <a:fld id="{646A4296-BBA3-4FCF-9A22-1B18C586F906}" type="datetimeFigureOut">
               <a:rPr lang="en-US" smtClean="0"/>
-              <a:t>09-Jun-21</a:t>
+              <a:t>13-Jun-21</a:t>
             </a:fld>
             <a:endParaRPr lang="en-US"/>
           </a:p>
@@ -482,7 +482,7 @@
           <a:p>
             <a:fld id="{646A4296-BBA3-4FCF-9A22-1B18C586F906}" type="datetimeFigureOut">
               <a:rPr lang="en-US" smtClean="0"/>
-              <a:t>09-Jun-21</a:t>
+              <a:t>13-Jun-21</a:t>
             </a:fld>
             <a:endParaRPr lang="en-US"/>
           </a:p>
@@ -690,7 +690,7 @@
           <a:p>
             <a:fld id="{646A4296-BBA3-4FCF-9A22-1B18C586F906}" type="datetimeFigureOut">
               <a:rPr lang="en-US" smtClean="0"/>
-              <a:t>09-Jun-21</a:t>
+              <a:t>13-Jun-21</a:t>
             </a:fld>
             <a:endParaRPr lang="en-US"/>
           </a:p>
@@ -888,7 +888,7 @@
           <a:p>
             <a:fld id="{646A4296-BBA3-4FCF-9A22-1B18C586F906}" type="datetimeFigureOut">
               <a:rPr lang="en-US" smtClean="0"/>
-              <a:t>09-Jun-21</a:t>
+              <a:t>13-Jun-21</a:t>
             </a:fld>
             <a:endParaRPr lang="en-US"/>
           </a:p>
@@ -1163,7 +1163,7 @@
           <a:p>
             <a:fld id="{646A4296-BBA3-4FCF-9A22-1B18C586F906}" type="datetimeFigureOut">
               <a:rPr lang="en-US" smtClean="0"/>
-              <a:t>09-Jun-21</a:t>
+              <a:t>13-Jun-21</a:t>
             </a:fld>
             <a:endParaRPr lang="en-US"/>
           </a:p>
@@ -1428,7 +1428,7 @@
           <a:p>
             <a:fld id="{646A4296-BBA3-4FCF-9A22-1B18C586F906}" type="datetimeFigureOut">
               <a:rPr lang="en-US" smtClean="0"/>
-              <a:t>09-Jun-21</a:t>
+              <a:t>13-Jun-21</a:t>
             </a:fld>
             <a:endParaRPr lang="en-US"/>
           </a:p>
@@ -1840,7 +1840,7 @@
           <a:p>
             <a:fld id="{646A4296-BBA3-4FCF-9A22-1B18C586F906}" type="datetimeFigureOut">
               <a:rPr lang="en-US" smtClean="0"/>
-              <a:t>09-Jun-21</a:t>
+              <a:t>13-Jun-21</a:t>
             </a:fld>
             <a:endParaRPr lang="en-US"/>
           </a:p>
@@ -1981,7 +1981,7 @@
           <a:p>
             <a:fld id="{646A4296-BBA3-4FCF-9A22-1B18C586F906}" type="datetimeFigureOut">
               <a:rPr lang="en-US" smtClean="0"/>
-              <a:t>09-Jun-21</a:t>
+              <a:t>13-Jun-21</a:t>
             </a:fld>
             <a:endParaRPr lang="en-US"/>
           </a:p>
@@ -2094,7 +2094,7 @@
           <a:p>
             <a:fld id="{646A4296-BBA3-4FCF-9A22-1B18C586F906}" type="datetimeFigureOut">
               <a:rPr lang="en-US" smtClean="0"/>
-              <a:t>09-Jun-21</a:t>
+              <a:t>13-Jun-21</a:t>
             </a:fld>
             <a:endParaRPr lang="en-US"/>
           </a:p>
@@ -2405,7 +2405,7 @@
           <a:p>
             <a:fld id="{646A4296-BBA3-4FCF-9A22-1B18C586F906}" type="datetimeFigureOut">
               <a:rPr lang="en-US" smtClean="0"/>
-              <a:t>09-Jun-21</a:t>
+              <a:t>13-Jun-21</a:t>
             </a:fld>
             <a:endParaRPr lang="en-US"/>
           </a:p>
@@ -2693,7 +2693,7 @@
           <a:p>
             <a:fld id="{646A4296-BBA3-4FCF-9A22-1B18C586F906}" type="datetimeFigureOut">
               <a:rPr lang="en-US" smtClean="0"/>
-              <a:t>09-Jun-21</a:t>
+              <a:t>13-Jun-21</a:t>
             </a:fld>
             <a:endParaRPr lang="en-US"/>
           </a:p>
@@ -2934,7 +2934,7 @@
           <a:p>
             <a:fld id="{646A4296-BBA3-4FCF-9A22-1B18C586F906}" type="datetimeFigureOut">
               <a:rPr lang="en-US" smtClean="0"/>
-              <a:t>09-Jun-21</a:t>
+              <a:t>13-Jun-21</a:t>
             </a:fld>
             <a:endParaRPr lang="en-US"/>
           </a:p>
@@ -4379,10 +4379,10 @@
       </p:sp>
       <p:pic>
         <p:nvPicPr>
-          <p:cNvPr id="10" name="Picture 9">
-            <a:extLst>
-              <a:ext uri="{FF2B5EF4-FFF2-40B4-BE49-F238E27FC236}">
-                <a16:creationId xmlns:a16="http://schemas.microsoft.com/office/drawing/2014/main" id="{2F0064A7-75B9-4DCC-A546-526DE879C3B2}"/>
+          <p:cNvPr id="5" name="Picture 4">
+            <a:extLst>
+              <a:ext uri="{FF2B5EF4-FFF2-40B4-BE49-F238E27FC236}">
+                <a16:creationId xmlns:a16="http://schemas.microsoft.com/office/drawing/2014/main" id="{12251A16-A1E7-426F-B8AB-A9B31CACED82}"/>
               </a:ext>
             </a:extLst>
           </p:cNvPr>
@@ -4399,8 +4399,8 @@
         </p:blipFill>
         <p:spPr>
           <a:xfrm>
-            <a:off x="5303802" y="1690688"/>
-            <a:ext cx="4163006" cy="4115374"/>
+            <a:off x="5797925" y="1495155"/>
+            <a:ext cx="4229690" cy="3867690"/>
           </a:xfrm>
           <a:prstGeom prst="rect">
             <a:avLst/>
@@ -4524,11 +4524,11 @@
             </a:pPr>
             <a:r>
               <a:rPr lang="en-US" dirty="0"/>
-              <a:t>Each learning session has a corresponding git-tag: </a:t>
+              <a:t>Each learning session has a corresponding git branch: </a:t>
             </a:r>
             <a:r>
               <a:rPr lang="en-US" i="1" dirty="0"/>
-              <a:t>session_1 .. session_4</a:t>
+              <a:t>session/1 .. session/4</a:t>
             </a:r>
           </a:p>
           <a:p>
@@ -4543,7 +4543,7 @@
             </a:pPr>
             <a:r>
               <a:rPr lang="en-US" dirty="0"/>
-              <a:t>To get needed session milestone do `git checkout session_1`</a:t>
+              <a:t>To get needed session milestone do `git checkout session/1`</a:t>
             </a:r>
           </a:p>
         </p:txBody>

--- a/presentations/01_Introduction.pptx
+++ b/presentations/01_Introduction.pptx
@@ -284,7 +284,7 @@
           <a:p>
             <a:fld id="{646A4296-BBA3-4FCF-9A22-1B18C586F906}" type="datetimeFigureOut">
               <a:rPr lang="en-US" smtClean="0"/>
-              <a:t>13-Jun-21</a:t>
+              <a:t>26-Jan-22</a:t>
             </a:fld>
             <a:endParaRPr lang="en-US"/>
           </a:p>
@@ -482,7 +482,7 @@
           <a:p>
             <a:fld id="{646A4296-BBA3-4FCF-9A22-1B18C586F906}" type="datetimeFigureOut">
               <a:rPr lang="en-US" smtClean="0"/>
-              <a:t>13-Jun-21</a:t>
+              <a:t>26-Jan-22</a:t>
             </a:fld>
             <a:endParaRPr lang="en-US"/>
           </a:p>
@@ -690,7 +690,7 @@
           <a:p>
             <a:fld id="{646A4296-BBA3-4FCF-9A22-1B18C586F906}" type="datetimeFigureOut">
               <a:rPr lang="en-US" smtClean="0"/>
-              <a:t>13-Jun-21</a:t>
+              <a:t>26-Jan-22</a:t>
             </a:fld>
             <a:endParaRPr lang="en-US"/>
           </a:p>
@@ -888,7 +888,7 @@
           <a:p>
             <a:fld id="{646A4296-BBA3-4FCF-9A22-1B18C586F906}" type="datetimeFigureOut">
               <a:rPr lang="en-US" smtClean="0"/>
-              <a:t>13-Jun-21</a:t>
+              <a:t>26-Jan-22</a:t>
             </a:fld>
             <a:endParaRPr lang="en-US"/>
           </a:p>
@@ -1163,7 +1163,7 @@
           <a:p>
             <a:fld id="{646A4296-BBA3-4FCF-9A22-1B18C586F906}" type="datetimeFigureOut">
               <a:rPr lang="en-US" smtClean="0"/>
-              <a:t>13-Jun-21</a:t>
+              <a:t>26-Jan-22</a:t>
             </a:fld>
             <a:endParaRPr lang="en-US"/>
           </a:p>
@@ -1428,7 +1428,7 @@
           <a:p>
             <a:fld id="{646A4296-BBA3-4FCF-9A22-1B18C586F906}" type="datetimeFigureOut">
               <a:rPr lang="en-US" smtClean="0"/>
-              <a:t>13-Jun-21</a:t>
+              <a:t>26-Jan-22</a:t>
             </a:fld>
             <a:endParaRPr lang="en-US"/>
           </a:p>
@@ -1840,7 +1840,7 @@
           <a:p>
             <a:fld id="{646A4296-BBA3-4FCF-9A22-1B18C586F906}" type="datetimeFigureOut">
               <a:rPr lang="en-US" smtClean="0"/>
-              <a:t>13-Jun-21</a:t>
+              <a:t>26-Jan-22</a:t>
             </a:fld>
             <a:endParaRPr lang="en-US"/>
           </a:p>
@@ -1981,7 +1981,7 @@
           <a:p>
             <a:fld id="{646A4296-BBA3-4FCF-9A22-1B18C586F906}" type="datetimeFigureOut">
               <a:rPr lang="en-US" smtClean="0"/>
-              <a:t>13-Jun-21</a:t>
+              <a:t>26-Jan-22</a:t>
             </a:fld>
             <a:endParaRPr lang="en-US"/>
           </a:p>
@@ -2094,7 +2094,7 @@
           <a:p>
             <a:fld id="{646A4296-BBA3-4FCF-9A22-1B18C586F906}" type="datetimeFigureOut">
               <a:rPr lang="en-US" smtClean="0"/>
-              <a:t>13-Jun-21</a:t>
+              <a:t>26-Jan-22</a:t>
             </a:fld>
             <a:endParaRPr lang="en-US"/>
           </a:p>
@@ -2405,7 +2405,7 @@
           <a:p>
             <a:fld id="{646A4296-BBA3-4FCF-9A22-1B18C586F906}" type="datetimeFigureOut">
               <a:rPr lang="en-US" smtClean="0"/>
-              <a:t>13-Jun-21</a:t>
+              <a:t>26-Jan-22</a:t>
             </a:fld>
             <a:endParaRPr lang="en-US"/>
           </a:p>
@@ -2693,7 +2693,7 @@
           <a:p>
             <a:fld id="{646A4296-BBA3-4FCF-9A22-1B18C586F906}" type="datetimeFigureOut">
               <a:rPr lang="en-US" smtClean="0"/>
-              <a:t>13-Jun-21</a:t>
+              <a:t>26-Jan-22</a:t>
             </a:fld>
             <a:endParaRPr lang="en-US"/>
           </a:p>
@@ -2934,7 +2934,7 @@
           <a:p>
             <a:fld id="{646A4296-BBA3-4FCF-9A22-1B18C586F906}" type="datetimeFigureOut">
               <a:rPr lang="en-US" smtClean="0"/>
-              <a:t>13-Jun-21</a:t>
+              <a:t>26-Jan-22</a:t>
             </a:fld>
             <a:endParaRPr lang="en-US"/>
           </a:p>
@@ -3490,7 +3490,7 @@
             </a:pPr>
             <a:r>
               <a:rPr lang="en-US" dirty="0"/>
-              <a:t>Learning session 3 (July 15-17)</a:t>
+              <a:t>Learning session 3</a:t>
             </a:r>
           </a:p>
           <a:p>
@@ -3637,7 +3637,7 @@
             </a:pPr>
             <a:r>
               <a:rPr lang="en-US" dirty="0"/>
-              <a:t>Learning session 3 (July 15-17)</a:t>
+              <a:t>Learning session 3</a:t>
             </a:r>
           </a:p>
           <a:p>
@@ -3791,7 +3791,7 @@
             </a:pPr>
             <a:r>
               <a:rPr lang="en-US" dirty="0"/>
-              <a:t>Learning session 4 (July 29-31)</a:t>
+              <a:t>Learning session 4</a:t>
             </a:r>
           </a:p>
           <a:p>
@@ -3906,7 +3906,7 @@
             </a:pPr>
             <a:r>
               <a:rPr lang="en-US" dirty="0"/>
-              <a:t>Learning session 4 (July 29-31)</a:t>
+              <a:t>Learning session 4</a:t>
             </a:r>
           </a:p>
           <a:p>
@@ -4067,7 +4067,7 @@
             </a:pPr>
             <a:r>
               <a:rPr lang="en-US" dirty="0"/>
-              <a:t>Learning session 4 (July 29-31)</a:t>
+              <a:t>Learning session 4</a:t>
             </a:r>
           </a:p>
           <a:p>
@@ -4232,7 +4232,7 @@
             </a:pPr>
             <a:r>
               <a:rPr lang="en-US" dirty="0"/>
-              <a:t>Learning session 5 (August 12-14)</a:t>
+              <a:t>Learning session 5</a:t>
             </a:r>
           </a:p>
           <a:p>
@@ -4313,9 +4313,10 @@
           <a:lstStyle/>
           <a:p>
             <a:r>
-              <a:rPr lang="en-US" dirty="0"/>
+              <a:rPr lang="en-US"/>
               <a:t>Grading</a:t>
             </a:r>
+            <a:endParaRPr lang="en-US" dirty="0"/>
           </a:p>
         </p:txBody>
       </p:sp>
@@ -4347,13 +4348,13 @@
           <a:p>
             <a:r>
               <a:rPr lang="en-US" dirty="0"/>
-              <a:t>200 Points overall</a:t>
-            </a:r>
-          </a:p>
-          <a:p>
-            <a:r>
-              <a:rPr lang="en-US" dirty="0"/>
-              <a:t>120 Points to pass</a:t>
+              <a:t>200 points overall</a:t>
+            </a:r>
+          </a:p>
+          <a:p>
+            <a:r>
+              <a:rPr lang="en-US" dirty="0"/>
+              <a:t>120 points to pass</a:t>
             </a:r>
           </a:p>
           <a:p>
@@ -4379,10 +4380,10 @@
       </p:sp>
       <p:pic>
         <p:nvPicPr>
-          <p:cNvPr id="5" name="Picture 4">
-            <a:extLst>
-              <a:ext uri="{FF2B5EF4-FFF2-40B4-BE49-F238E27FC236}">
-                <a16:creationId xmlns:a16="http://schemas.microsoft.com/office/drawing/2014/main" id="{12251A16-A1E7-426F-B8AB-A9B31CACED82}"/>
+          <p:cNvPr id="8" name="Picture 7">
+            <a:extLst>
+              <a:ext uri="{FF2B5EF4-FFF2-40B4-BE49-F238E27FC236}">
+                <a16:creationId xmlns:a16="http://schemas.microsoft.com/office/drawing/2014/main" id="{0AB9DF7F-5B01-47C7-AD8B-7EAB4428D2C4}"/>
               </a:ext>
             </a:extLst>
           </p:cNvPr>
@@ -4399,8 +4400,8 @@
         </p:blipFill>
         <p:spPr>
           <a:xfrm>
-            <a:off x="5797925" y="1495155"/>
-            <a:ext cx="4229690" cy="3867690"/>
+            <a:off x="5426243" y="1257877"/>
+            <a:ext cx="5574914" cy="4342245"/>
           </a:xfrm>
           <a:prstGeom prst="rect">
             <a:avLst/>
@@ -4496,13 +4497,32 @@
             </a:pPr>
             <a:r>
               <a:rPr lang="en-US" dirty="0"/>
-              <a:t>All materials are available as git-repo </a:t>
+              <a:t>All materials are available as git-repo</a:t>
+            </a:r>
+          </a:p>
+          <a:p>
+            <a:pPr marL="0" indent="0">
+              <a:buNone/>
+            </a:pPr>
+            <a:endParaRPr lang="en-US" dirty="0">
+              <a:hlinkClick r:id="rId2"/>
+            </a:endParaRPr>
+          </a:p>
+          <a:p>
+            <a:pPr marL="0" indent="0">
+              <a:buNone/>
+            </a:pPr>
+            <a:r>
+              <a:rPr lang="en-US" dirty="0" err="1">
+                <a:hlinkClick r:id="rId2"/>
+              </a:rPr>
+              <a:t>Github</a:t>
             </a:r>
             <a:r>
               <a:rPr lang="en-US" dirty="0">
                 <a:hlinkClick r:id="rId2"/>
               </a:rPr>
-              <a:t>Github/</a:t>
+              <a:t>/</a:t>
             </a:r>
             <a:r>
               <a:rPr lang="en-US" dirty="0" err="1">
@@ -4517,34 +4537,6 @@
               <a:buNone/>
             </a:pPr>
             <a:endParaRPr lang="en-US" dirty="0"/>
-          </a:p>
-          <a:p>
-            <a:pPr marL="0" indent="0">
-              <a:buNone/>
-            </a:pPr>
-            <a:r>
-              <a:rPr lang="en-US" dirty="0"/>
-              <a:t>Each learning session has a corresponding git branch: </a:t>
-            </a:r>
-            <a:r>
-              <a:rPr lang="en-US" i="1" dirty="0"/>
-              <a:t>session/1 .. session/4</a:t>
-            </a:r>
-          </a:p>
-          <a:p>
-            <a:pPr marL="0" indent="0">
-              <a:buNone/>
-            </a:pPr>
-            <a:endParaRPr lang="en-US" dirty="0"/>
-          </a:p>
-          <a:p>
-            <a:pPr marL="0" indent="0">
-              <a:buNone/>
-            </a:pPr>
-            <a:r>
-              <a:rPr lang="en-US" dirty="0"/>
-              <a:t>To get needed session milestone do `git checkout session/1`</a:t>
-            </a:r>
           </a:p>
         </p:txBody>
       </p:sp>
@@ -5234,7 +5226,7 @@
             </a:pPr>
             <a:r>
               <a:rPr lang="en-US" dirty="0"/>
-              <a:t>Learning session 1 (June 17-19)</a:t>
+              <a:t>Learning session 1</a:t>
             </a:r>
           </a:p>
           <a:p>
@@ -5358,7 +5350,7 @@
             </a:pPr>
             <a:r>
               <a:rPr lang="en-US" dirty="0"/>
-              <a:t>Learning session 1 (June 17-19)</a:t>
+              <a:t>Learning session 1</a:t>
             </a:r>
           </a:p>
           <a:p>
@@ -5515,7 +5507,7 @@
             </a:pPr>
             <a:r>
               <a:rPr lang="en-US" dirty="0"/>
-              <a:t>Learning session 2 (July 1-3)</a:t>
+              <a:t>Learning session 2</a:t>
             </a:r>
           </a:p>
           <a:p>
@@ -5624,7 +5616,7 @@
             </a:pPr>
             <a:r>
               <a:rPr lang="en-US" dirty="0"/>
-              <a:t>Learning session 2 (July 1-3)</a:t>
+              <a:t>Learning session 2</a:t>
             </a:r>
           </a:p>
           <a:p>
@@ -5763,7 +5755,7 @@
             </a:pPr>
             <a:r>
               <a:rPr lang="en-US" dirty="0"/>
-              <a:t>Learning session 3 (July 15-17)</a:t>
+              <a:t>Learning session 3</a:t>
             </a:r>
           </a:p>
           <a:p>

--- a/presentations/01_Introduction.pptx
+++ b/presentations/01_Introduction.pptx
@@ -284,7 +284,7 @@
           <a:p>
             <a:fld id="{646A4296-BBA3-4FCF-9A22-1B18C586F906}" type="datetimeFigureOut">
               <a:rPr lang="en-US" smtClean="0"/>
-              <a:t>26-Jan-22</a:t>
+              <a:t>09-Apr-22</a:t>
             </a:fld>
             <a:endParaRPr lang="en-US"/>
           </a:p>
@@ -482,7 +482,7 @@
           <a:p>
             <a:fld id="{646A4296-BBA3-4FCF-9A22-1B18C586F906}" type="datetimeFigureOut">
               <a:rPr lang="en-US" smtClean="0"/>
-              <a:t>26-Jan-22</a:t>
+              <a:t>09-Apr-22</a:t>
             </a:fld>
             <a:endParaRPr lang="en-US"/>
           </a:p>
@@ -690,7 +690,7 @@
           <a:p>
             <a:fld id="{646A4296-BBA3-4FCF-9A22-1B18C586F906}" type="datetimeFigureOut">
               <a:rPr lang="en-US" smtClean="0"/>
-              <a:t>26-Jan-22</a:t>
+              <a:t>09-Apr-22</a:t>
             </a:fld>
             <a:endParaRPr lang="en-US"/>
           </a:p>
@@ -888,7 +888,7 @@
           <a:p>
             <a:fld id="{646A4296-BBA3-4FCF-9A22-1B18C586F906}" type="datetimeFigureOut">
               <a:rPr lang="en-US" smtClean="0"/>
-              <a:t>26-Jan-22</a:t>
+              <a:t>09-Apr-22</a:t>
             </a:fld>
             <a:endParaRPr lang="en-US"/>
           </a:p>
@@ -1163,7 +1163,7 @@
           <a:p>
             <a:fld id="{646A4296-BBA3-4FCF-9A22-1B18C586F906}" type="datetimeFigureOut">
               <a:rPr lang="en-US" smtClean="0"/>
-              <a:t>26-Jan-22</a:t>
+              <a:t>09-Apr-22</a:t>
             </a:fld>
             <a:endParaRPr lang="en-US"/>
           </a:p>
@@ -1428,7 +1428,7 @@
           <a:p>
             <a:fld id="{646A4296-BBA3-4FCF-9A22-1B18C586F906}" type="datetimeFigureOut">
               <a:rPr lang="en-US" smtClean="0"/>
-              <a:t>26-Jan-22</a:t>
+              <a:t>09-Apr-22</a:t>
             </a:fld>
             <a:endParaRPr lang="en-US"/>
           </a:p>
@@ -1840,7 +1840,7 @@
           <a:p>
             <a:fld id="{646A4296-BBA3-4FCF-9A22-1B18C586F906}" type="datetimeFigureOut">
               <a:rPr lang="en-US" smtClean="0"/>
-              <a:t>26-Jan-22</a:t>
+              <a:t>09-Apr-22</a:t>
             </a:fld>
             <a:endParaRPr lang="en-US"/>
           </a:p>
@@ -1981,7 +1981,7 @@
           <a:p>
             <a:fld id="{646A4296-BBA3-4FCF-9A22-1B18C586F906}" type="datetimeFigureOut">
               <a:rPr lang="en-US" smtClean="0"/>
-              <a:t>26-Jan-22</a:t>
+              <a:t>09-Apr-22</a:t>
             </a:fld>
             <a:endParaRPr lang="en-US"/>
           </a:p>
@@ -2094,7 +2094,7 @@
           <a:p>
             <a:fld id="{646A4296-BBA3-4FCF-9A22-1B18C586F906}" type="datetimeFigureOut">
               <a:rPr lang="en-US" smtClean="0"/>
-              <a:t>26-Jan-22</a:t>
+              <a:t>09-Apr-22</a:t>
             </a:fld>
             <a:endParaRPr lang="en-US"/>
           </a:p>
@@ -2405,7 +2405,7 @@
           <a:p>
             <a:fld id="{646A4296-BBA3-4FCF-9A22-1B18C586F906}" type="datetimeFigureOut">
               <a:rPr lang="en-US" smtClean="0"/>
-              <a:t>26-Jan-22</a:t>
+              <a:t>09-Apr-22</a:t>
             </a:fld>
             <a:endParaRPr lang="en-US"/>
           </a:p>
@@ -2693,7 +2693,7 @@
           <a:p>
             <a:fld id="{646A4296-BBA3-4FCF-9A22-1B18C586F906}" type="datetimeFigureOut">
               <a:rPr lang="en-US" smtClean="0"/>
-              <a:t>26-Jan-22</a:t>
+              <a:t>09-Apr-22</a:t>
             </a:fld>
             <a:endParaRPr lang="en-US"/>
           </a:p>
@@ -2934,7 +2934,7 @@
           <a:p>
             <a:fld id="{646A4296-BBA3-4FCF-9A22-1B18C586F906}" type="datetimeFigureOut">
               <a:rPr lang="en-US" smtClean="0"/>
-              <a:t>26-Jan-22</a:t>
+              <a:t>09-Apr-22</a:t>
             </a:fld>
             <a:endParaRPr lang="en-US"/>
           </a:p>
@@ -3687,21 +3687,15 @@
             <a:pPr lvl="1"/>
             <a:r>
               <a:rPr lang="en-US" dirty="0"/>
+              <a:t>Role-based Access Control (RBAC)</a:t>
+            </a:r>
+          </a:p>
+          <a:p>
+            <a:pPr lvl="1"/>
+            <a:r>
+              <a:rPr lang="en-US" dirty="0"/>
               <a:t>Clouds: AWS/GCP IAM, AAD</a:t>
             </a:r>
-          </a:p>
-          <a:p>
-            <a:pPr lvl="1"/>
-            <a:r>
-              <a:rPr lang="en-US" dirty="0"/>
-              <a:t>Role-based Access Control (RBAC)</a:t>
-            </a:r>
-          </a:p>
-          <a:p>
-            <a:pPr marL="0" indent="0">
-              <a:buNone/>
-            </a:pPr>
-            <a:endParaRPr lang="en-US" dirty="0"/>
           </a:p>
         </p:txBody>
       </p:sp>
@@ -3956,7 +3950,7 @@
             <a:pPr lvl="1"/>
             <a:r>
               <a:rPr lang="en-US" dirty="0"/>
-              <a:t>Audit</a:t>
+              <a:t>Audit logs/events</a:t>
             </a:r>
           </a:p>
           <a:p>
@@ -4380,10 +4374,10 @@
       </p:sp>
       <p:pic>
         <p:nvPicPr>
-          <p:cNvPr id="8" name="Picture 7">
-            <a:extLst>
-              <a:ext uri="{FF2B5EF4-FFF2-40B4-BE49-F238E27FC236}">
-                <a16:creationId xmlns:a16="http://schemas.microsoft.com/office/drawing/2014/main" id="{0AB9DF7F-5B01-47C7-AD8B-7EAB4428D2C4}"/>
+          <p:cNvPr id="5" name="Picture 4">
+            <a:extLst>
+              <a:ext uri="{FF2B5EF4-FFF2-40B4-BE49-F238E27FC236}">
+                <a16:creationId xmlns:a16="http://schemas.microsoft.com/office/drawing/2014/main" id="{69F75E13-4290-41C8-9AE6-2AE8DFCC420D}"/>
               </a:ext>
             </a:extLst>
           </p:cNvPr>
@@ -4400,8 +4394,8 @@
         </p:blipFill>
         <p:spPr>
           <a:xfrm>
-            <a:off x="5426243" y="1257877"/>
-            <a:ext cx="5574914" cy="4342245"/>
+            <a:off x="5516041" y="1027906"/>
+            <a:ext cx="5837759" cy="4351338"/>
           </a:xfrm>
           <a:prstGeom prst="rect">
             <a:avLst/>
@@ -5089,13 +5083,6 @@
             <a:r>
               <a:rPr lang="en-US" dirty="0"/>
               <a:t>Presentation</a:t>
-            </a:r>
-          </a:p>
-          <a:p>
-            <a:pPr lvl="1"/>
-            <a:r>
-              <a:rPr lang="en-US" dirty="0"/>
-              <a:t>Video</a:t>
             </a:r>
           </a:p>
           <a:p>

--- a/presentations/01_Introduction.pptx
+++ b/presentations/01_Introduction.pptx
@@ -284,7 +284,7 @@
           <a:p>
             <a:fld id="{646A4296-BBA3-4FCF-9A22-1B18C586F906}" type="datetimeFigureOut">
               <a:rPr lang="en-US" smtClean="0"/>
-              <a:t>09-Apr-22</a:t>
+              <a:t>15-Apr-22</a:t>
             </a:fld>
             <a:endParaRPr lang="en-US"/>
           </a:p>
@@ -482,7 +482,7 @@
           <a:p>
             <a:fld id="{646A4296-BBA3-4FCF-9A22-1B18C586F906}" type="datetimeFigureOut">
               <a:rPr lang="en-US" smtClean="0"/>
-              <a:t>09-Apr-22</a:t>
+              <a:t>15-Apr-22</a:t>
             </a:fld>
             <a:endParaRPr lang="en-US"/>
           </a:p>
@@ -690,7 +690,7 @@
           <a:p>
             <a:fld id="{646A4296-BBA3-4FCF-9A22-1B18C586F906}" type="datetimeFigureOut">
               <a:rPr lang="en-US" smtClean="0"/>
-              <a:t>09-Apr-22</a:t>
+              <a:t>15-Apr-22</a:t>
             </a:fld>
             <a:endParaRPr lang="en-US"/>
           </a:p>
@@ -888,7 +888,7 @@
           <a:p>
             <a:fld id="{646A4296-BBA3-4FCF-9A22-1B18C586F906}" type="datetimeFigureOut">
               <a:rPr lang="en-US" smtClean="0"/>
-              <a:t>09-Apr-22</a:t>
+              <a:t>15-Apr-22</a:t>
             </a:fld>
             <a:endParaRPr lang="en-US"/>
           </a:p>
@@ -1163,7 +1163,7 @@
           <a:p>
             <a:fld id="{646A4296-BBA3-4FCF-9A22-1B18C586F906}" type="datetimeFigureOut">
               <a:rPr lang="en-US" smtClean="0"/>
-              <a:t>09-Apr-22</a:t>
+              <a:t>15-Apr-22</a:t>
             </a:fld>
             <a:endParaRPr lang="en-US"/>
           </a:p>
@@ -1428,7 +1428,7 @@
           <a:p>
             <a:fld id="{646A4296-BBA3-4FCF-9A22-1B18C586F906}" type="datetimeFigureOut">
               <a:rPr lang="en-US" smtClean="0"/>
-              <a:t>09-Apr-22</a:t>
+              <a:t>15-Apr-22</a:t>
             </a:fld>
             <a:endParaRPr lang="en-US"/>
           </a:p>
@@ -1840,7 +1840,7 @@
           <a:p>
             <a:fld id="{646A4296-BBA3-4FCF-9A22-1B18C586F906}" type="datetimeFigureOut">
               <a:rPr lang="en-US" smtClean="0"/>
-              <a:t>09-Apr-22</a:t>
+              <a:t>15-Apr-22</a:t>
             </a:fld>
             <a:endParaRPr lang="en-US"/>
           </a:p>
@@ -1981,7 +1981,7 @@
           <a:p>
             <a:fld id="{646A4296-BBA3-4FCF-9A22-1B18C586F906}" type="datetimeFigureOut">
               <a:rPr lang="en-US" smtClean="0"/>
-              <a:t>09-Apr-22</a:t>
+              <a:t>15-Apr-22</a:t>
             </a:fld>
             <a:endParaRPr lang="en-US"/>
           </a:p>
@@ -2094,7 +2094,7 @@
           <a:p>
             <a:fld id="{646A4296-BBA3-4FCF-9A22-1B18C586F906}" type="datetimeFigureOut">
               <a:rPr lang="en-US" smtClean="0"/>
-              <a:t>09-Apr-22</a:t>
+              <a:t>15-Apr-22</a:t>
             </a:fld>
             <a:endParaRPr lang="en-US"/>
           </a:p>
@@ -2405,7 +2405,7 @@
           <a:p>
             <a:fld id="{646A4296-BBA3-4FCF-9A22-1B18C586F906}" type="datetimeFigureOut">
               <a:rPr lang="en-US" smtClean="0"/>
-              <a:t>09-Apr-22</a:t>
+              <a:t>15-Apr-22</a:t>
             </a:fld>
             <a:endParaRPr lang="en-US"/>
           </a:p>
@@ -2693,7 +2693,7 @@
           <a:p>
             <a:fld id="{646A4296-BBA3-4FCF-9A22-1B18C586F906}" type="datetimeFigureOut">
               <a:rPr lang="en-US" smtClean="0"/>
-              <a:t>09-Apr-22</a:t>
+              <a:t>15-Apr-22</a:t>
             </a:fld>
             <a:endParaRPr lang="en-US"/>
           </a:p>
@@ -2934,7 +2934,7 @@
           <a:p>
             <a:fld id="{646A4296-BBA3-4FCF-9A22-1B18C586F906}" type="datetimeFigureOut">
               <a:rPr lang="en-US" smtClean="0"/>
-              <a:t>09-Apr-22</a:t>
+              <a:t>15-Apr-22</a:t>
             </a:fld>
             <a:endParaRPr lang="en-US"/>
           </a:p>
@@ -3490,7 +3490,7 @@
             </a:pPr>
             <a:r>
               <a:rPr lang="en-US" dirty="0"/>
-              <a:t>Learning session 3</a:t>
+              <a:t>Learning session 4</a:t>
             </a:r>
           </a:p>
           <a:p>
@@ -3637,7 +3637,7 @@
             </a:pPr>
             <a:r>
               <a:rPr lang="en-US" dirty="0"/>
-              <a:t>Learning session 3</a:t>
+              <a:t>Learning session 4</a:t>
             </a:r>
           </a:p>
           <a:p>
@@ -3785,7 +3785,7 @@
             </a:pPr>
             <a:r>
               <a:rPr lang="en-US" dirty="0"/>
-              <a:t>Learning session 4</a:t>
+              <a:t>Learning session 5</a:t>
             </a:r>
           </a:p>
           <a:p>
@@ -3900,7 +3900,7 @@
             </a:pPr>
             <a:r>
               <a:rPr lang="en-US" dirty="0"/>
-              <a:t>Learning session 4</a:t>
+              <a:t>Learning session 5</a:t>
             </a:r>
           </a:p>
           <a:p>
@@ -4061,7 +4061,7 @@
             </a:pPr>
             <a:r>
               <a:rPr lang="en-US" dirty="0"/>
-              <a:t>Learning session 4</a:t>
+              <a:t>Learning session 5</a:t>
             </a:r>
           </a:p>
           <a:p>
@@ -4226,7 +4226,7 @@
             </a:pPr>
             <a:r>
               <a:rPr lang="en-US" dirty="0"/>
-              <a:t>Learning session 5</a:t>
+              <a:t>Learning session 6</a:t>
             </a:r>
           </a:p>
           <a:p>
@@ -5494,7 +5494,7 @@
             </a:pPr>
             <a:r>
               <a:rPr lang="en-US" dirty="0"/>
-              <a:t>Learning session 2</a:t>
+              <a:t>Learning session 2-3</a:t>
             </a:r>
           </a:p>
           <a:p>
@@ -5603,7 +5603,7 @@
             </a:pPr>
             <a:r>
               <a:rPr lang="en-US" dirty="0"/>
-              <a:t>Learning session 2</a:t>
+              <a:t>Learning session 2-3</a:t>
             </a:r>
           </a:p>
           <a:p>
@@ -5742,7 +5742,7 @@
             </a:pPr>
             <a:r>
               <a:rPr lang="en-US" dirty="0"/>
-              <a:t>Learning session 3</a:t>
+              <a:t>Learning session 4</a:t>
             </a:r>
           </a:p>
           <a:p>
